--- a/MOOCS/Data Analysis with R Programming.pptx
+++ b/MOOCS/Data Analysis with R Programming.pptx
@@ -11,8 +11,8 @@
     <p:sldId id="260" r:id="rId3"/>
     <p:sldId id="265" r:id="rId4"/>
     <p:sldId id="257" r:id="rId5"/>
-    <p:sldId id="264" r:id="rId6"/>
-    <p:sldId id="263" r:id="rId7"/>
+    <p:sldId id="263" r:id="rId6"/>
+    <p:sldId id="270" r:id="rId7"/>
     <p:sldId id="266" r:id="rId8"/>
   </p:sldIdLst>
   <p:sldSz cx="12192000" cy="6858000"/>
@@ -4641,7 +4641,7 @@
                   <a:schemeClr val="tx1"/>
                 </a:solidFill>
               </a:rPr>
-              <a:t>Data Analysis</a:t>
+              <a:t> Programming with R</a:t>
             </a:r>
             <a:endParaRPr lang="en-US" sz="4000" b="1" dirty="0">
               <a:solidFill>
@@ -4717,7 +4717,52 @@
                   <a:schemeClr val="tx1"/>
                 </a:solidFill>
               </a:rPr>
-              <a:t>Data analysis is the process of cleaning, changing, and processing raw data and extracting actionable, relevant information that helps businesses make informed decisions.</a:t>
+              <a:t>R is a programming language that can help you in your data analysis process.</a:t>
+            </a:r>
+            <a:endParaRPr lang="en-US" sz="2400" dirty="0">
+              <a:solidFill>
+                <a:schemeClr val="tx1"/>
+              </a:solidFill>
+            </a:endParaRPr>
+          </a:p>
+          <a:p>
+            <a:r>
+              <a:rPr lang="en-US" sz="2400" dirty="0">
+                <a:solidFill>
+                  <a:schemeClr val="tx1"/>
+                </a:solidFill>
+              </a:rPr>
+              <a:t>RStudio is the environment you’ll use to work in R.</a:t>
+            </a:r>
+            <a:endParaRPr lang="en-US" sz="2400" dirty="0">
+              <a:solidFill>
+                <a:schemeClr val="tx1"/>
+              </a:solidFill>
+            </a:endParaRPr>
+          </a:p>
+          <a:p>
+            <a:r>
+              <a:rPr lang="en-US" sz="2400" dirty="0">
+                <a:solidFill>
+                  <a:schemeClr val="tx1"/>
+                </a:solidFill>
+              </a:rPr>
+              <a:t>Using R can help you complete your analysis efficiently and effectively.</a:t>
+            </a:r>
+            <a:endParaRPr lang="en-US" sz="2400" dirty="0">
+              <a:solidFill>
+                <a:schemeClr val="tx1"/>
+              </a:solidFill>
+            </a:endParaRPr>
+          </a:p>
+          <a:p>
+            <a:r>
+              <a:rPr lang="en-US" sz="2400" dirty="0">
+                <a:solidFill>
+                  <a:schemeClr val="tx1"/>
+                </a:solidFill>
+              </a:rPr>
+              <a:t>The R programming language was designed to work with data at all stages of the data analysis process.</a:t>
             </a:r>
             <a:endParaRPr lang="en-US" sz="2400" dirty="0">
               <a:solidFill>
@@ -4968,7 +5013,7 @@
                   <a:schemeClr val="tx1"/>
                 </a:solidFill>
               </a:rPr>
-              <a:t> Programming with R</a:t>
+              <a:t> Current Progress</a:t>
             </a:r>
             <a:endParaRPr lang="en-US" sz="4000" b="1" dirty="0">
               <a:solidFill>
@@ -5016,89 +5061,32 @@
           </a:fontRef>
         </p:style>
       </p:cxnSp>
-      <p:sp>
-        <p:nvSpPr>
-          <p:cNvPr id="3" name="Content Placeholder 2"/>
-          <p:cNvSpPr>
-            <a:spLocks noGrp="1"/>
-          </p:cNvSpPr>
+      <p:pic>
+        <p:nvPicPr>
+          <p:cNvPr id="4" name="Content Placeholder 3"/>
+          <p:cNvPicPr>
+            <a:picLocks noChangeAspect="1"/>
+          </p:cNvPicPr>
           <p:nvPr>
             <p:ph idx="1"/>
           </p:nvPr>
-        </p:nvSpPr>
+        </p:nvPicPr>
+        <p:blipFill>
+          <a:blip r:embed="rId2"/>
+          <a:stretch>
+            <a:fillRect/>
+          </a:stretch>
+        </p:blipFill>
         <p:spPr>
           <a:xfrm>
-            <a:off x="5041399" y="1085549"/>
-            <a:ext cx="5579707" cy="4686903"/>
+            <a:off x="5041265" y="1859280"/>
+            <a:ext cx="5579745" cy="3138170"/>
           </a:xfrm>
+          <a:prstGeom prst="rect">
+            <a:avLst/>
+          </a:prstGeom>
         </p:spPr>
-        <p:txBody>
-          <a:bodyPr anchor="ctr">
-            <a:normAutofit/>
-          </a:bodyPr>
-          <a:lstStyle/>
-          <a:p>
-            <a:r>
-              <a:rPr lang="en-US" sz="2400" dirty="0">
-                <a:solidFill>
-                  <a:schemeClr val="tx1"/>
-                </a:solidFill>
-              </a:rPr>
-              <a:t>R is a programming language that can help you in your data analysis process.</a:t>
-            </a:r>
-            <a:endParaRPr lang="en-US" sz="2400" dirty="0">
-              <a:solidFill>
-                <a:schemeClr val="tx1"/>
-              </a:solidFill>
-            </a:endParaRPr>
-          </a:p>
-          <a:p>
-            <a:r>
-              <a:rPr lang="en-US" sz="2400" dirty="0">
-                <a:solidFill>
-                  <a:schemeClr val="tx1"/>
-                </a:solidFill>
-              </a:rPr>
-              <a:t>RStudio is the environment you’ll use to work in R.</a:t>
-            </a:r>
-            <a:endParaRPr lang="en-US" sz="2400" dirty="0">
-              <a:solidFill>
-                <a:schemeClr val="tx1"/>
-              </a:solidFill>
-            </a:endParaRPr>
-          </a:p>
-          <a:p>
-            <a:r>
-              <a:rPr lang="en-US" sz="2400" dirty="0">
-                <a:solidFill>
-                  <a:schemeClr val="tx1"/>
-                </a:solidFill>
-              </a:rPr>
-              <a:t>Using R can help you complete your analysis efficiently and effectively.</a:t>
-            </a:r>
-            <a:endParaRPr lang="en-US" sz="2400" dirty="0">
-              <a:solidFill>
-                <a:schemeClr val="tx1"/>
-              </a:solidFill>
-            </a:endParaRPr>
-          </a:p>
-          <a:p>
-            <a:r>
-              <a:rPr lang="en-US" sz="2400" dirty="0">
-                <a:solidFill>
-                  <a:schemeClr val="tx1"/>
-                </a:solidFill>
-              </a:rPr>
-              <a:t>The R programming language was designed to work with data at all stages of the data analysis process.</a:t>
-            </a:r>
-            <a:endParaRPr lang="en-US" sz="2400" dirty="0">
-              <a:solidFill>
-                <a:schemeClr val="tx1"/>
-              </a:solidFill>
-            </a:endParaRPr>
-          </a:p>
-        </p:txBody>
-      </p:sp>
+      </p:pic>
     </p:spTree>
   </p:cSld>
   <p:clrMapOvr>
